--- a/lecture notes/from Modeling to Continuous-time LQ/powerpoint_handouts (work in progress)/07-Relationship Between State-Space Models and Transfer Functions (imcmp-handout-light) - pub.pptx
+++ b/lecture notes/from Modeling to Continuous-time LQ/powerpoint_handouts (work in progress)/07-Relationship Between State-Space Models and Transfer Functions (imcmp-handout-light) - pub.pptx
@@ -660,7 +660,7 @@
           <a:p>
             <a:fld id="{1D8BD707-D9CF-40AE-B4C6-C98DA3205C09}" type="datetimeFigureOut">
               <a:rPr lang="en-US"/>
-              <a:t>9/19/2025</a:t>
+              <a:t>9/19/25</a:t>
             </a:fld>
             <a:endParaRPr lang="en-US"/>
           </a:p>
@@ -916,7 +916,7 @@
           <a:p>
             <a:fld id="{1D8BD707-D9CF-40AE-B4C6-C98DA3205C09}" type="datetimeFigureOut">
               <a:rPr lang="en-US"/>
-              <a:t>9/19/2025</a:t>
+              <a:t>9/19/25</a:t>
             </a:fld>
             <a:endParaRPr lang="en-US"/>
           </a:p>
@@ -1209,7 +1209,7 @@
           <a:p>
             <a:fld id="{1D8BD707-D9CF-40AE-B4C6-C98DA3205C09}" type="datetimeFigureOut">
               <a:rPr lang="en-US"/>
-              <a:t>9/19/2025</a:t>
+              <a:t>9/19/25</a:t>
             </a:fld>
             <a:endParaRPr lang="en-US"/>
           </a:p>
@@ -1444,7 +1444,7 @@
           <a:p>
             <a:fld id="{1D8BD707-D9CF-40AE-B4C6-C98DA3205C09}" type="datetimeFigureOut">
               <a:rPr lang="en-US"/>
-              <a:t>9/19/2025</a:t>
+              <a:t>9/19/25</a:t>
             </a:fld>
             <a:endParaRPr lang="en-US"/>
           </a:p>
@@ -1642,7 +1642,7 @@
           <a:p>
             <a:fld id="{1D8BD707-D9CF-40AE-B4C6-C98DA3205C09}" type="datetimeFigureOut">
               <a:rPr lang="en-US"/>
-              <a:t>9/19/2025</a:t>
+              <a:t>9/19/25</a:t>
             </a:fld>
             <a:endParaRPr lang="en-US"/>
           </a:p>
@@ -1996,7 +1996,7 @@
           <a:p>
             <a:fld id="{1D8BD707-D9CF-40AE-B4C6-C98DA3205C09}" type="datetimeFigureOut">
               <a:rPr lang="en-US"/>
-              <a:t>9/19/2025</a:t>
+              <a:t>9/19/25</a:t>
             </a:fld>
             <a:endParaRPr lang="en-US"/>
           </a:p>
@@ -3557,13 +3557,7 @@
                                   <a:rPr lang="ar-AE" sz="900">
                                     <a:latin typeface="Cambria Math" panose="02040503050406030204" pitchFamily="18" charset="0"/>
                                   </a:rPr>
-                                  <m:t>−</m:t>
-                                </m:r>
-                                <m:r>
-                                  <a:rPr lang="ar-AE" sz="900">
-                                    <a:latin typeface="Cambria Math" panose="02040503050406030204" pitchFamily="18" charset="0"/>
-                                  </a:rPr>
-                                  <m:t>1</m:t>
+                                  <m:t>−1</m:t>
                                 </m:r>
                               </m:sup>
                             </m:sSup>
@@ -3626,13 +3620,7 @@
                                             <a:rPr lang="ar-AE" sz="900">
                                               <a:latin typeface="Cambria Math" panose="02040503050406030204" pitchFamily="18" charset="0"/>
                                             </a:rPr>
-                                            <m:t>−</m:t>
-                                          </m:r>
-                                          <m:r>
-                                            <a:rPr lang="ar-AE" sz="900">
-                                              <a:latin typeface="Cambria Math" panose="02040503050406030204" pitchFamily="18" charset="0"/>
-                                            </a:rPr>
-                                            <m:t>1</m:t>
+                                            <m:t>−1</m:t>
                                           </m:r>
                                         </m:e>
                                       </m:mr>
@@ -3713,13 +3701,7 @@
                                   <a:rPr lang="ar-AE" sz="900">
                                     <a:latin typeface="Cambria Math" panose="02040503050406030204" pitchFamily="18" charset="0"/>
                                   </a:rPr>
-                                  <m:t>−</m:t>
-                                </m:r>
-                                <m:r>
-                                  <a:rPr lang="ar-AE" sz="900">
-                                    <a:latin typeface="Cambria Math" panose="02040503050406030204" pitchFamily="18" charset="0"/>
-                                  </a:rPr>
-                                  <m:t>1</m:t>
+                                  <m:t>−1</m:t>
                                 </m:r>
                               </m:sup>
                             </m:sSup>
@@ -4756,16 +4738,7 @@
                                               </a:solidFill>
                                               <a:latin typeface="Cambria Math" panose="02040503050406030204" pitchFamily="18" charset="0"/>
                                             </a:rPr>
-                                            <m:t>−</m:t>
-                                          </m:r>
-                                          <m:r>
-                                            <a:rPr lang="ar-AE">
-                                              <a:solidFill>
-                                                <a:schemeClr val="tx1"/>
-                                              </a:solidFill>
-                                              <a:latin typeface="Cambria Math" panose="02040503050406030204" pitchFamily="18" charset="0"/>
-                                            </a:rPr>
-                                            <m:t>1</m:t>
+                                            <m:t>−1</m:t>
                                           </m:r>
                                         </m:e>
                                       </m:mr>
@@ -4873,16 +4846,7 @@
                                     </a:solidFill>
                                     <a:latin typeface="Cambria Math" panose="02040503050406030204" pitchFamily="18" charset="0"/>
                                   </a:rPr>
-                                  <m:t>−</m:t>
-                                </m:r>
-                                <m:r>
-                                  <a:rPr lang="ar-AE">
-                                    <a:solidFill>
-                                      <a:schemeClr val="tx1"/>
-                                    </a:solidFill>
-                                    <a:latin typeface="Cambria Math" panose="02040503050406030204" pitchFamily="18" charset="0"/>
-                                  </a:rPr>
-                                  <m:t>1</m:t>
+                                  <m:t>−1</m:t>
                                 </m:r>
                               </m:sup>
                             </m:sSup>
@@ -10313,23 +10277,7 @@
                                   <a:latin typeface="Cambria Math" panose="02040503050406030204" pitchFamily="18" charset="0"/>
                                   <a:ea typeface="+mn-ea"/>
                                 </a:rPr>
-                                <m:t>−</m:t>
-                              </m:r>
-                              <m:r>
-                                <a:rPr kumimoji="0" lang="ar-AE" sz="1100" b="0" i="0" u="none" strike="noStrike" kern="1200" cap="none" spc="0" normalizeH="0" baseline="0" noProof="0">
-                                  <a:ln>
-                                    <a:noFill/>
-                                  </a:ln>
-                                  <a:solidFill>
-                                    <a:sysClr val="windowText" lastClr="000000"/>
-                                  </a:solidFill>
-                                  <a:effectLst/>
-                                  <a:uLnTx/>
-                                  <a:uFillTx/>
-                                  <a:latin typeface="Cambria Math" panose="02040503050406030204" pitchFamily="18" charset="0"/>
-                                  <a:ea typeface="+mn-ea"/>
-                                </a:rPr>
-                                <m:t>6</m:t>
+                                <m:t>−6</m:t>
                               </m:r>
                             </m:e>
                             <m:e>
@@ -10367,23 +10315,7 @@
                                   <a:latin typeface="Cambria Math" panose="02040503050406030204" pitchFamily="18" charset="0"/>
                                   <a:ea typeface="+mn-ea"/>
                                 </a:rPr>
-                                <m:t>−</m:t>
-                              </m:r>
-                              <m:r>
-                                <a:rPr kumimoji="0" lang="ar-AE" sz="1100" b="0" i="0" u="none" strike="noStrike" kern="1200" cap="none" spc="0" normalizeH="0" baseline="0" noProof="0">
-                                  <a:ln>
-                                    <a:noFill/>
-                                  </a:ln>
-                                  <a:solidFill>
-                                    <a:sysClr val="windowText" lastClr="000000"/>
-                                  </a:solidFill>
-                                  <a:effectLst/>
-                                  <a:uLnTx/>
-                                  <a:uFillTx/>
-                                  <a:latin typeface="Cambria Math" panose="02040503050406030204" pitchFamily="18" charset="0"/>
-                                  <a:ea typeface="+mn-ea"/>
-                                </a:rPr>
-                                <m:t>2</m:t>
+                                <m:t>−2</m:t>
                               </m:r>
                             </m:e>
                             <m:e>
@@ -10475,23 +10407,7 @@
                                   <a:latin typeface="Cambria Math" panose="02040503050406030204" pitchFamily="18" charset="0"/>
                                   <a:ea typeface="+mn-ea"/>
                                 </a:rPr>
-                                <m:t>−</m:t>
-                              </m:r>
-                              <m:r>
-                                <a:rPr kumimoji="0" lang="ar-AE" sz="1100" b="0" i="0" u="none" strike="noStrike" kern="1200" cap="none" spc="0" normalizeH="0" baseline="0" noProof="0">
-                                  <a:ln>
-                                    <a:noFill/>
-                                  </a:ln>
-                                  <a:solidFill>
-                                    <a:sysClr val="windowText" lastClr="000000"/>
-                                  </a:solidFill>
-                                  <a:effectLst/>
-                                  <a:uLnTx/>
-                                  <a:uFillTx/>
-                                  <a:latin typeface="Cambria Math" panose="02040503050406030204" pitchFamily="18" charset="0"/>
-                                  <a:ea typeface="+mn-ea"/>
-                                </a:rPr>
-                                <m:t>1</m:t>
+                                <m:t>−1</m:t>
                               </m:r>
                             </m:e>
                           </m:mr>
@@ -10615,23 +10531,7 @@
                                   <a:latin typeface="Cambria Math" panose="02040503050406030204" pitchFamily="18" charset="0"/>
                                   <a:ea typeface="+mn-ea"/>
                                 </a:rPr>
-                                <m:t>−</m:t>
-                              </m:r>
-                              <m:r>
-                                <a:rPr kumimoji="0" lang="ar-AE" sz="1100" b="0" i="0" u="none" strike="noStrike" kern="1200" cap="none" spc="0" normalizeH="0" baseline="0" noProof="0">
-                                  <a:ln>
-                                    <a:noFill/>
-                                  </a:ln>
-                                  <a:solidFill>
-                                    <a:sysClr val="windowText" lastClr="000000"/>
-                                  </a:solidFill>
-                                  <a:effectLst/>
-                                  <a:uLnTx/>
-                                  <a:uFillTx/>
-                                  <a:latin typeface="Cambria Math" panose="02040503050406030204" pitchFamily="18" charset="0"/>
-                                  <a:ea typeface="+mn-ea"/>
-                                </a:rPr>
-                                <m:t>6</m:t>
+                                <m:t>−6</m:t>
                               </m:r>
                             </m:e>
                             <m:e>
@@ -10667,23 +10567,7 @@
                                   <a:latin typeface="Cambria Math" panose="02040503050406030204" pitchFamily="18" charset="0"/>
                                   <a:ea typeface="+mn-ea"/>
                                 </a:rPr>
-                                <m:t>−</m:t>
-                              </m:r>
-                              <m:r>
-                                <a:rPr kumimoji="0" lang="ar-AE" sz="1100" b="0" i="0" u="none" strike="noStrike" kern="1200" cap="none" spc="0" normalizeH="0" baseline="0" noProof="0">
-                                  <a:ln>
-                                    <a:noFill/>
-                                  </a:ln>
-                                  <a:solidFill>
-                                    <a:sysClr val="windowText" lastClr="000000"/>
-                                  </a:solidFill>
-                                  <a:effectLst/>
-                                  <a:uLnTx/>
-                                  <a:uFillTx/>
-                                  <a:latin typeface="Cambria Math" panose="02040503050406030204" pitchFamily="18" charset="0"/>
-                                  <a:ea typeface="+mn-ea"/>
-                                </a:rPr>
-                                <m:t>3</m:t>
+                                <m:t>−3</m:t>
                               </m:r>
                             </m:e>
                           </m:mr>
@@ -10703,23 +10587,7 @@
                                   <a:latin typeface="Cambria Math" panose="02040503050406030204" pitchFamily="18" charset="0"/>
                                   <a:ea typeface="+mn-ea"/>
                                 </a:rPr>
-                                <m:t>−</m:t>
-                              </m:r>
-                              <m:r>
-                                <a:rPr kumimoji="0" lang="ar-AE" sz="1100" b="0" i="0" u="none" strike="noStrike" kern="1200" cap="none" spc="0" normalizeH="0" baseline="0" noProof="0">
-                                  <a:ln>
-                                    <a:noFill/>
-                                  </a:ln>
-                                  <a:solidFill>
-                                    <a:sysClr val="windowText" lastClr="000000"/>
-                                  </a:solidFill>
-                                  <a:effectLst/>
-                                  <a:uLnTx/>
-                                  <a:uFillTx/>
-                                  <a:latin typeface="Cambria Math" panose="02040503050406030204" pitchFamily="18" charset="0"/>
-                                  <a:ea typeface="+mn-ea"/>
-                                </a:rPr>
-                                <m:t>2</m:t>
+                                <m:t>−2</m:t>
                               </m:r>
                             </m:e>
                             <m:e>
@@ -11243,23 +11111,7 @@
                                   <a:latin typeface="Cambria Math" panose="02040503050406030204" pitchFamily="18" charset="0"/>
                                   <a:ea typeface="+mn-ea"/>
                                 </a:rPr>
-                                <m:t>−</m:t>
-                              </m:r>
-                              <m:r>
-                                <a:rPr kumimoji="0" lang="ar-AE" sz="1100" b="0" i="0" u="none" strike="noStrike" kern="1200" cap="none" spc="0" normalizeH="0" baseline="0" noProof="0">
-                                  <a:ln>
-                                    <a:noFill/>
-                                  </a:ln>
-                                  <a:solidFill>
-                                    <a:sysClr val="windowText" lastClr="000000"/>
-                                  </a:solidFill>
-                                  <a:effectLst/>
-                                  <a:uLnTx/>
-                                  <a:uFillTx/>
-                                  <a:latin typeface="Cambria Math" panose="02040503050406030204" pitchFamily="18" charset="0"/>
-                                  <a:ea typeface="+mn-ea"/>
-                                </a:rPr>
-                                <m:t>1</m:t>
+                                <m:t>−1</m:t>
                               </m:r>
                             </m:e>
                           </m:mr>
@@ -16534,23 +16386,7 @@
                             <a:latin typeface="Cambria Math" panose="02040503050406030204" pitchFamily="18" charset="0"/>
                             <a:ea typeface="+mn-ea"/>
                           </a:rPr>
-                          <m:t>×</m:t>
-                        </m:r>
-                        <m:r>
-                          <a:rPr kumimoji="0" lang="ar-AE" sz="1000" b="0" i="0" u="none" strike="noStrike" kern="1200" cap="none" spc="0" normalizeH="0" baseline="0" noProof="0">
-                            <a:ln>
-                              <a:noFill/>
-                            </a:ln>
-                            <a:solidFill>
-                              <a:sysClr val="windowText" lastClr="000000"/>
-                            </a:solidFill>
-                            <a:effectLst/>
-                            <a:uLnTx/>
-                            <a:uFillTx/>
-                            <a:latin typeface="Cambria Math" panose="02040503050406030204" pitchFamily="18" charset="0"/>
-                            <a:ea typeface="+mn-ea"/>
-                          </a:rPr>
-                          <m:t>1</m:t>
+                          <m:t>×1</m:t>
                         </m:r>
                       </m:sup>
                     </m:sSup>
@@ -16658,23 +16494,7 @@
                             <a:latin typeface="Cambria Math" panose="02040503050406030204" pitchFamily="18" charset="0"/>
                             <a:ea typeface="+mn-ea"/>
                           </a:rPr>
-                          <m:t>1</m:t>
-                        </m:r>
-                        <m:r>
-                          <a:rPr kumimoji="0" lang="ar-AE" sz="1000" b="0" i="0" u="none" strike="noStrike" kern="1200" cap="none" spc="0" normalizeH="0" baseline="0" noProof="0">
-                            <a:ln>
-                              <a:noFill/>
-                            </a:ln>
-                            <a:solidFill>
-                              <a:sysClr val="windowText" lastClr="000000"/>
-                            </a:solidFill>
-                            <a:effectLst/>
-                            <a:uLnTx/>
-                            <a:uFillTx/>
-                            <a:latin typeface="Cambria Math" panose="02040503050406030204" pitchFamily="18" charset="0"/>
-                            <a:ea typeface="+mn-ea"/>
-                          </a:rPr>
-                          <m:t>×</m:t>
+                          <m:t>1×</m:t>
                         </m:r>
                         <m:r>
                           <a:rPr kumimoji="0" lang="ar-AE" sz="1000" b="0" i="0" u="none" strike="noStrike" kern="1200" cap="none" spc="0" normalizeH="0" baseline="0" noProof="0">
@@ -18035,23 +17855,7 @@
                         <a:latin typeface="Cambria Math" panose="02040503050406030204" pitchFamily="18" charset="0"/>
                         <a:ea typeface="+mn-ea"/>
                       </a:rPr>
-                      <m:t>=</m:t>
-                    </m:r>
-                    <m:r>
-                      <a:rPr kumimoji="0" lang="ar-AE" sz="1000" b="0" i="0" u="none" strike="noStrike" kern="1200" cap="none" spc="0" normalizeH="0" baseline="0" noProof="0">
-                        <a:ln>
-                          <a:noFill/>
-                        </a:ln>
-                        <a:solidFill>
-                          <a:sysClr val="windowText" lastClr="000000"/>
-                        </a:solidFill>
-                        <a:effectLst/>
-                        <a:uLnTx/>
-                        <a:uFillTx/>
-                        <a:latin typeface="Cambria Math" panose="02040503050406030204" pitchFamily="18" charset="0"/>
-                        <a:ea typeface="+mn-ea"/>
-                      </a:rPr>
-                      <m:t>0</m:t>
+                      <m:t>=0</m:t>
                     </m:r>
                   </m:oMath>
                 </a14:m>
@@ -18397,23 +18201,7 @@
                                   <a:latin typeface="Cambria Math" panose="02040503050406030204" pitchFamily="18" charset="0"/>
                                   <a:ea typeface="+mn-ea"/>
                                 </a:rPr>
-                                <m:t>−</m:t>
-                              </m:r>
-                              <m:r>
-                                <a:rPr kumimoji="0" lang="ar-AE" sz="1000" b="0" i="0" u="none" strike="noStrike" kern="1200" cap="none" spc="0" normalizeH="0" baseline="0" noProof="0">
-                                  <a:ln>
-                                    <a:noFill/>
-                                  </a:ln>
-                                  <a:solidFill>
-                                    <a:sysClr val="windowText" lastClr="000000"/>
-                                  </a:solidFill>
-                                  <a:effectLst/>
-                                  <a:uLnTx/>
-                                  <a:uFillTx/>
-                                  <a:latin typeface="Cambria Math" panose="02040503050406030204" pitchFamily="18" charset="0"/>
-                                  <a:ea typeface="+mn-ea"/>
-                                </a:rPr>
-                                <m:t>1</m:t>
+                                <m:t>−1</m:t>
                               </m:r>
                             </m:sup>
                           </m:sSup>
@@ -19637,23 +19425,7 @@
                             <a:latin typeface="Cambria Math" panose="02040503050406030204" pitchFamily="18" charset="0"/>
                             <a:ea typeface="+mn-ea"/>
                           </a:rPr>
-                          <m:t>×</m:t>
-                        </m:r>
-                        <m:r>
-                          <a:rPr kumimoji="0" lang="ar-AE" sz="1000" b="0" i="0" u="none" strike="noStrike" kern="1200" cap="none" spc="0" normalizeH="0" baseline="0" noProof="0">
-                            <a:ln>
-                              <a:noFill/>
-                            </a:ln>
-                            <a:solidFill>
-                              <a:sysClr val="windowText" lastClr="000000"/>
-                            </a:solidFill>
-                            <a:effectLst/>
-                            <a:uLnTx/>
-                            <a:uFillTx/>
-                            <a:latin typeface="Cambria Math" panose="02040503050406030204" pitchFamily="18" charset="0"/>
-                            <a:ea typeface="+mn-ea"/>
-                          </a:rPr>
-                          <m:t>1</m:t>
+                          <m:t>×1</m:t>
                         </m:r>
                       </m:sup>
                     </m:sSup>
@@ -19761,23 +19533,7 @@
                             <a:latin typeface="Cambria Math" panose="02040503050406030204" pitchFamily="18" charset="0"/>
                             <a:ea typeface="+mn-ea"/>
                           </a:rPr>
-                          <m:t>1</m:t>
-                        </m:r>
-                        <m:r>
-                          <a:rPr kumimoji="0" lang="ar-AE" sz="1000" b="0" i="0" u="none" strike="noStrike" kern="1200" cap="none" spc="0" normalizeH="0" baseline="0" noProof="0">
-                            <a:ln>
-                              <a:noFill/>
-                            </a:ln>
-                            <a:solidFill>
-                              <a:sysClr val="windowText" lastClr="000000"/>
-                            </a:solidFill>
-                            <a:effectLst/>
-                            <a:uLnTx/>
-                            <a:uFillTx/>
-                            <a:latin typeface="Cambria Math" panose="02040503050406030204" pitchFamily="18" charset="0"/>
-                            <a:ea typeface="+mn-ea"/>
-                          </a:rPr>
-                          <m:t>×</m:t>
+                          <m:t>1×</m:t>
                         </m:r>
                         <m:r>
                           <a:rPr kumimoji="0" lang="ar-AE" sz="1000" b="0" i="0" u="none" strike="noStrike" kern="1200" cap="none" spc="0" normalizeH="0" baseline="0" noProof="0">
@@ -20004,23 +19760,7 @@
                                     <a:latin typeface="Cambria Math" panose="02040503050406030204" pitchFamily="18" charset="0"/>
                                     <a:ea typeface="+mn-ea"/>
                                   </a:rPr>
-                                  <m:t>+</m:t>
-                                </m:r>
-                                <m:r>
-                                  <a:rPr kumimoji="0" lang="ar-AE" sz="1000" b="0" i="0" u="none" strike="noStrike" kern="1200" cap="none" spc="0" normalizeH="0" baseline="0" noProof="0">
-                                    <a:ln>
-                                      <a:noFill/>
-                                    </a:ln>
-                                    <a:solidFill>
-                                      <a:sysClr val="windowText" lastClr="000000"/>
-                                    </a:solidFill>
-                                    <a:effectLst/>
-                                    <a:uLnTx/>
-                                    <a:uFillTx/>
-                                    <a:latin typeface="Cambria Math" panose="02040503050406030204" pitchFamily="18" charset="0"/>
-                                    <a:ea typeface="+mn-ea"/>
-                                  </a:rPr>
-                                  <m:t>1</m:t>
+                                  <m:t>+1</m:t>
                                 </m:r>
                               </m:e>
                             </m:d>
@@ -21115,23 +20855,7 @@
                         <a:latin typeface="Cambria Math" panose="02040503050406030204" pitchFamily="18" charset="0"/>
                         <a:ea typeface="+mn-ea"/>
                       </a:rPr>
-                      <m:t>=</m:t>
-                    </m:r>
-                    <m:r>
-                      <a:rPr kumimoji="0" lang="ar-AE" sz="1000" b="0" i="0" u="none" strike="noStrike" kern="1200" cap="none" spc="0" normalizeH="0" baseline="0" noProof="0">
-                        <a:ln>
-                          <a:noFill/>
-                        </a:ln>
-                        <a:solidFill>
-                          <a:sysClr val="windowText" lastClr="000000"/>
-                        </a:solidFill>
-                        <a:effectLst/>
-                        <a:uLnTx/>
-                        <a:uFillTx/>
-                        <a:latin typeface="Cambria Math" panose="02040503050406030204" pitchFamily="18" charset="0"/>
-                        <a:ea typeface="+mn-ea"/>
-                      </a:rPr>
-                      <m:t>0</m:t>
+                      <m:t>=0</m:t>
                     </m:r>
                   </m:oMath>
                 </a14:m>
@@ -21477,23 +21201,7 @@
                                   <a:latin typeface="Cambria Math" panose="02040503050406030204" pitchFamily="18" charset="0"/>
                                   <a:ea typeface="+mn-ea"/>
                                 </a:rPr>
-                                <m:t>−</m:t>
-                              </m:r>
-                              <m:r>
-                                <a:rPr kumimoji="0" lang="ar-AE" sz="1000" b="0" i="0" u="none" strike="noStrike" kern="1200" cap="none" spc="0" normalizeH="0" baseline="0" noProof="0">
-                                  <a:ln>
-                                    <a:noFill/>
-                                  </a:ln>
-                                  <a:solidFill>
-                                    <a:sysClr val="windowText" lastClr="000000"/>
-                                  </a:solidFill>
-                                  <a:effectLst/>
-                                  <a:uLnTx/>
-                                  <a:uFillTx/>
-                                  <a:latin typeface="Cambria Math" panose="02040503050406030204" pitchFamily="18" charset="0"/>
-                                  <a:ea typeface="+mn-ea"/>
-                                </a:rPr>
-                                <m:t>1</m:t>
+                                <m:t>−1</m:t>
                               </m:r>
                             </m:sup>
                           </m:sSup>
@@ -22258,8 +21966,8 @@
           </a:p>
         </p:txBody>
       </p:sp>
-      <mc:AlternateContent xmlns:mc="http://schemas.openxmlformats.org/markup-compatibility/2006">
-        <mc:Choice xmlns:a14="http://schemas.microsoft.com/office/drawing/2010/main" Requires="a14">
+      <mc:AlternateContent xmlns:mc="http://schemas.openxmlformats.org/markup-compatibility/2006" xmlns:a14="http://schemas.microsoft.com/office/drawing/2010/main">
+        <mc:Choice Requires="a14">
           <p:sp>
             <p:nvSpPr>
               <p:cNvPr id="3" name="Content Placeholder 2">
@@ -22829,23 +22537,7 @@
                                     <a:latin typeface="Cambria Math" panose="02040503050406030204" pitchFamily="18" charset="0"/>
                                     <a:ea typeface="+mn-ea"/>
                                   </a:rPr>
-                                  <m:t>×</m:t>
-                                </m:r>
-                                <m:r>
-                                  <a:rPr kumimoji="0" lang="ar-AE" sz="1000" b="0" i="0" u="none" strike="noStrike" kern="1200" cap="none" spc="0" normalizeH="0" baseline="0" noProof="0">
-                                    <a:ln>
-                                      <a:noFill/>
-                                    </a:ln>
-                                    <a:solidFill>
-                                      <a:schemeClr val="tx1"/>
-                                    </a:solidFill>
-                                    <a:effectLst/>
-                                    <a:uLnTx/>
-                                    <a:uFillTx/>
-                                    <a:latin typeface="Cambria Math" panose="02040503050406030204" pitchFamily="18" charset="0"/>
-                                    <a:ea typeface="+mn-ea"/>
-                                  </a:rPr>
-                                  <m:t>1</m:t>
+                                  <m:t>×1</m:t>
                                 </m:r>
                               </m:sub>
                             </m:sSub>
@@ -23028,23 +22720,7 @@
                                     <a:latin typeface="Cambria Math" panose="02040503050406030204" pitchFamily="18" charset="0"/>
                                     <a:ea typeface="+mn-ea"/>
                                   </a:rPr>
-                                  <m:t>1</m:t>
-                                </m:r>
-                                <m:r>
-                                  <a:rPr kumimoji="0" lang="ar-AE" sz="1000" b="0" i="0" u="none" strike="noStrike" kern="1200" cap="none" spc="0" normalizeH="0" baseline="0" noProof="0">
-                                    <a:ln>
-                                      <a:noFill/>
-                                    </a:ln>
-                                    <a:solidFill>
-                                      <a:schemeClr val="tx1"/>
-                                    </a:solidFill>
-                                    <a:effectLst/>
-                                    <a:uLnTx/>
-                                    <a:uFillTx/>
-                                    <a:latin typeface="Cambria Math" panose="02040503050406030204" pitchFamily="18" charset="0"/>
-                                    <a:ea typeface="+mn-ea"/>
-                                  </a:rPr>
-                                  <m:t>×</m:t>
+                                  <m:t>1×</m:t>
                                 </m:r>
                                 <m:r>
                                   <a:rPr kumimoji="0" lang="ar-AE" sz="1000" b="0" i="0" u="none" strike="noStrike" kern="1200" cap="none" spc="0" normalizeH="0" baseline="0" noProof="0">
@@ -23477,23 +23153,7 @@
                               <a:latin typeface="Cambria Math" panose="02040503050406030204" pitchFamily="18" charset="0"/>
                               <a:ea typeface="+mn-ea"/>
                             </a:rPr>
-                            <m:t>−</m:t>
-                          </m:r>
-                          <m:r>
-                            <a:rPr kumimoji="0" lang="en-US" altLang="zh-CN" sz="1000" b="0" i="1" u="none" strike="noStrike" kern="1200" cap="none" spc="0" normalizeH="0" baseline="0" noProof="0" smtClean="0">
-                              <a:ln>
-                                <a:noFill/>
-                              </a:ln>
-                              <a:solidFill>
-                                <a:schemeClr val="tx1"/>
-                              </a:solidFill>
-                              <a:effectLst/>
-                              <a:uLnTx/>
-                              <a:uFillTx/>
-                              <a:latin typeface="Cambria Math" panose="02040503050406030204" pitchFamily="18" charset="0"/>
-                              <a:ea typeface="+mn-ea"/>
-                            </a:rPr>
-                            <m:t>1</m:t>
+                            <m:t>−1</m:t>
                           </m:r>
                         </m:sup>
                       </m:sSup>
@@ -23599,25 +23259,7 @@
                           </a:solidFill>
                           <a:latin typeface="Cambria Math" panose="02040503050406030204" pitchFamily="18" charset="0"/>
                         </a:rPr>
-                        <m:t>                                                                                                   </m:t>
-                      </m:r>
-                      <m:r>
-                        <a:rPr lang="en-US" altLang="zh-CN" sz="600" b="0" i="1" smtClean="0">
-                          <a:solidFill>
-                            <a:schemeClr val="tx1"/>
-                          </a:solidFill>
-                          <a:latin typeface="Cambria Math" panose="02040503050406030204" pitchFamily="18" charset="0"/>
-                        </a:rPr>
-                        <m:t>1</m:t>
-                      </m:r>
-                      <m:r>
-                        <a:rPr lang="en-US" altLang="zh-CN" sz="600" b="0" i="1" smtClean="0">
-                          <a:solidFill>
-                            <a:schemeClr val="tx1"/>
-                          </a:solidFill>
-                          <a:latin typeface="Cambria Math" panose="02040503050406030204" pitchFamily="18" charset="0"/>
-                        </a:rPr>
-                        <m:t>×</m:t>
+                        <m:t>                                                                                                   1×</m:t>
                       </m:r>
                       <m:r>
                         <a:rPr lang="en-US" altLang="zh-CN" sz="600" b="0" i="1" smtClean="0">
@@ -23689,16 +23331,7 @@
                           </a:solidFill>
                           <a:latin typeface="Cambria Math" panose="02040503050406030204" pitchFamily="18" charset="0"/>
                         </a:rPr>
-                        <m:t>×</m:t>
-                      </m:r>
-                      <m:r>
-                        <a:rPr lang="en-US" altLang="zh-CN" sz="600" b="0" i="1" smtClean="0">
-                          <a:solidFill>
-                            <a:schemeClr val="tx1"/>
-                          </a:solidFill>
-                          <a:latin typeface="Cambria Math" panose="02040503050406030204" pitchFamily="18" charset="0"/>
-                        </a:rPr>
-                        <m:t>1</m:t>
+                        <m:t>×1</m:t>
                       </m:r>
                     </m:oMath>
                   </m:oMathPara>
@@ -23959,23 +23592,7 @@
                                         <a:latin typeface="Cambria Math" panose="02040503050406030204" pitchFamily="18" charset="0"/>
                                         <a:ea typeface="+mn-ea"/>
                                       </a:rPr>
-                                      <m:t>×</m:t>
-                                    </m:r>
-                                    <m:r>
-                                      <a:rPr kumimoji="0" lang="ar-AE" sz="1000" b="0" i="0" u="none" strike="noStrike" kern="1200" cap="none" spc="0" normalizeH="0" baseline="0" noProof="0">
-                                        <a:ln>
-                                          <a:noFill/>
-                                        </a:ln>
-                                        <a:solidFill>
-                                          <a:schemeClr val="tx1"/>
-                                        </a:solidFill>
-                                        <a:effectLst/>
-                                        <a:uLnTx/>
-                                        <a:uFillTx/>
-                                        <a:latin typeface="Cambria Math" panose="02040503050406030204" pitchFamily="18" charset="0"/>
-                                        <a:ea typeface="+mn-ea"/>
-                                      </a:rPr>
-                                      <m:t>1</m:t>
+                                      <m:t>×1</m:t>
                                     </m:r>
                                   </m:sub>
                                 </m:sSub>
@@ -24034,23 +23651,7 @@
                                         <a:latin typeface="Cambria Math" panose="02040503050406030204" pitchFamily="18" charset="0"/>
                                         <a:ea typeface="+mn-ea"/>
                                       </a:rPr>
-                                      <m:t>1</m:t>
-                                    </m:r>
-                                    <m:r>
-                                      <a:rPr kumimoji="0" lang="ar-AE" sz="1000" b="0" i="0" u="none" strike="noStrike" kern="1200" cap="none" spc="0" normalizeH="0" baseline="0" noProof="0">
-                                        <a:ln>
-                                          <a:noFill/>
-                                        </a:ln>
-                                        <a:solidFill>
-                                          <a:schemeClr val="tx1"/>
-                                        </a:solidFill>
-                                        <a:effectLst/>
-                                        <a:uLnTx/>
-                                        <a:uFillTx/>
-                                        <a:latin typeface="Cambria Math" panose="02040503050406030204" pitchFamily="18" charset="0"/>
-                                        <a:ea typeface="+mn-ea"/>
-                                      </a:rPr>
-                                      <m:t>×</m:t>
+                                      <m:t>1×</m:t>
                                     </m:r>
                                     <m:r>
                                       <a:rPr kumimoji="0" lang="ar-AE" sz="1000" b="0" i="0" u="none" strike="noStrike" kern="1200" cap="none" spc="0" normalizeH="0" baseline="0" noProof="0">
@@ -24123,39 +23724,7 @@
                                         <a:latin typeface="Cambria Math" panose="02040503050406030204" pitchFamily="18" charset="0"/>
                                         <a:ea typeface="+mn-ea"/>
                                       </a:rPr>
-                                      <m:t>1</m:t>
-                                    </m:r>
-                                    <m:r>
-                                      <a:rPr kumimoji="0" lang="ar-AE" sz="1000" b="0" i="0" u="none" strike="noStrike" kern="1200" cap="none" spc="0" normalizeH="0" baseline="0" noProof="0">
-                                        <a:ln>
-                                          <a:noFill/>
-                                        </a:ln>
-                                        <a:solidFill>
-                                          <a:schemeClr val="tx1"/>
-                                        </a:solidFill>
-                                        <a:effectLst/>
-                                        <a:uLnTx/>
-                                        <a:uFillTx/>
-                                        <a:latin typeface="Cambria Math" panose="02040503050406030204" pitchFamily="18" charset="0"/>
-                                        <a:ea typeface="+mn-ea"/>
-                                      </a:rPr>
-                                      <m:t>×</m:t>
-                                    </m:r>
-                                    <m:r>
-                                      <a:rPr kumimoji="0" lang="ar-AE" sz="1000" b="0" i="0" u="none" strike="noStrike" kern="1200" cap="none" spc="0" normalizeH="0" baseline="0" noProof="0">
-                                        <a:ln>
-                                          <a:noFill/>
-                                        </a:ln>
-                                        <a:solidFill>
-                                          <a:schemeClr val="tx1"/>
-                                        </a:solidFill>
-                                        <a:effectLst/>
-                                        <a:uLnTx/>
-                                        <a:uFillTx/>
-                                        <a:latin typeface="Cambria Math" panose="02040503050406030204" pitchFamily="18" charset="0"/>
-                                        <a:ea typeface="+mn-ea"/>
-                                      </a:rPr>
-                                      <m:t>1</m:t>
+                                      <m:t>1×1</m:t>
                                     </m:r>
                                   </m:sub>
                                 </m:sSub>
@@ -24310,7 +23879,7 @@
             </p:txBody>
           </p:sp>
         </mc:Choice>
-        <mc:Fallback>
+        <mc:Fallback xmlns="">
           <p:sp>
             <p:nvSpPr>
               <p:cNvPr id="3" name="Content Placeholder 2">
@@ -25246,23 +24815,7 @@
                               <a:latin typeface="Cambria Math" panose="02040503050406030204" pitchFamily="18" charset="0"/>
                               <a:ea typeface="+mn-ea"/>
                             </a:rPr>
-                            <m:t>−</m:t>
-                          </m:r>
-                          <m:r>
-                            <a:rPr kumimoji="0" lang="ar-AE" sz="800" b="0" i="0" u="none" strike="noStrike" kern="1200" cap="none" spc="0" normalizeH="0" baseline="0" noProof="0">
-                              <a:ln>
-                                <a:noFill/>
-                              </a:ln>
-                              <a:solidFill>
-                                <a:sysClr val="windowText" lastClr="000000"/>
-                              </a:solidFill>
-                              <a:effectLst/>
-                              <a:uLnTx/>
-                              <a:uFillTx/>
-                              <a:latin typeface="Cambria Math" panose="02040503050406030204" pitchFamily="18" charset="0"/>
-                              <a:ea typeface="+mn-ea"/>
-                            </a:rPr>
-                            <m:t>1</m:t>
+                            <m:t>−1</m:t>
                           </m:r>
                         </m:sup>
                       </m:sSup>
@@ -27066,23 +26619,7 @@
                         <a:latin typeface="Cambria Math" panose="02040503050406030204" pitchFamily="18" charset="0"/>
                         <a:ea typeface="+mn-ea"/>
                       </a:rPr>
-                      <m:t>=</m:t>
-                    </m:r>
-                    <m:r>
-                      <a:rPr kumimoji="0" lang="ar-AE" sz="800" b="0" i="0" u="none" strike="noStrike" kern="1200" cap="none" spc="0" normalizeH="0" baseline="0" noProof="0">
-                        <a:ln>
-                          <a:noFill/>
-                        </a:ln>
-                        <a:solidFill>
-                          <a:sysClr val="windowText" lastClr="000000"/>
-                        </a:solidFill>
-                        <a:effectLst/>
-                        <a:uLnTx/>
-                        <a:uFillTx/>
-                        <a:latin typeface="Cambria Math" panose="02040503050406030204" pitchFamily="18" charset="0"/>
-                        <a:ea typeface="+mn-ea"/>
-                      </a:rPr>
-                      <m:t>24</m:t>
+                      <m:t>=24</m:t>
                     </m:r>
                   </m:oMath>
                 </a14:m>
@@ -27317,23 +26854,7 @@
                         <a:latin typeface="Cambria Math" panose="02040503050406030204" pitchFamily="18" charset="0"/>
                         <a:ea typeface="+mn-ea"/>
                       </a:rPr>
-                      <m:t>=</m:t>
-                    </m:r>
-                    <m:r>
-                      <a:rPr kumimoji="0" lang="ar-AE" sz="800" b="0" i="0" u="none" strike="noStrike" kern="1200" cap="none" spc="0" normalizeH="0" baseline="0" noProof="0">
-                        <a:ln>
-                          <a:noFill/>
-                        </a:ln>
-                        <a:solidFill>
-                          <a:sysClr val="windowText" lastClr="000000"/>
-                        </a:solidFill>
-                        <a:effectLst/>
-                        <a:uLnTx/>
-                        <a:uFillTx/>
-                        <a:latin typeface="Cambria Math" panose="02040503050406030204" pitchFamily="18" charset="0"/>
-                        <a:ea typeface="+mn-ea"/>
-                      </a:rPr>
-                      <m:t>5</m:t>
+                      <m:t>=5</m:t>
                     </m:r>
                   </m:oMath>
                 </a14:m>
@@ -27568,23 +27089,7 @@
                         <a:latin typeface="Cambria Math" panose="02040503050406030204" pitchFamily="18" charset="0"/>
                         <a:ea typeface="+mn-ea"/>
                       </a:rPr>
-                      <m:t>=−</m:t>
-                    </m:r>
-                    <m:r>
-                      <a:rPr kumimoji="0" lang="ar-AE" sz="800" b="0" i="0" u="none" strike="noStrike" kern="1200" cap="none" spc="0" normalizeH="0" baseline="0" noProof="0">
-                        <a:ln>
-                          <a:noFill/>
-                        </a:ln>
-                        <a:solidFill>
-                          <a:sysClr val="windowText" lastClr="000000"/>
-                        </a:solidFill>
-                        <a:effectLst/>
-                        <a:uLnTx/>
-                        <a:uFillTx/>
-                        <a:latin typeface="Cambria Math" panose="02040503050406030204" pitchFamily="18" charset="0"/>
-                        <a:ea typeface="+mn-ea"/>
-                      </a:rPr>
-                      <m:t>4</m:t>
+                      <m:t>=−4</m:t>
                     </m:r>
                   </m:oMath>
                 </a14:m>
@@ -27835,23 +27340,7 @@
                         <a:latin typeface="Cambria Math" panose="02040503050406030204" pitchFamily="18" charset="0"/>
                         <a:ea typeface="+mn-ea"/>
                       </a:rPr>
-                      <m:t>=−</m:t>
-                    </m:r>
-                    <m:r>
-                      <a:rPr kumimoji="0" lang="ar-AE" sz="800" b="0" i="0" u="none" strike="noStrike" kern="1200" cap="none" spc="0" normalizeH="0" baseline="0" noProof="0">
-                        <a:ln>
-                          <a:noFill/>
-                        </a:ln>
-                        <a:solidFill>
-                          <a:sysClr val="windowText" lastClr="000000"/>
-                        </a:solidFill>
-                        <a:effectLst/>
-                        <a:uLnTx/>
-                        <a:uFillTx/>
-                        <a:latin typeface="Cambria Math" panose="02040503050406030204" pitchFamily="18" charset="0"/>
-                        <a:ea typeface="+mn-ea"/>
-                      </a:rPr>
-                      <m:t>12</m:t>
+                      <m:t>=−12</m:t>
                     </m:r>
                   </m:oMath>
                 </a14:m>
@@ -28086,23 +27575,7 @@
                         <a:latin typeface="Cambria Math" panose="02040503050406030204" pitchFamily="18" charset="0"/>
                         <a:ea typeface="+mn-ea"/>
                       </a:rPr>
-                      <m:t>=</m:t>
-                    </m:r>
-                    <m:r>
-                      <a:rPr kumimoji="0" lang="ar-AE" sz="800" b="0" i="0" u="none" strike="noStrike" kern="1200" cap="none" spc="0" normalizeH="0" baseline="0" noProof="0">
-                        <a:ln>
-                          <a:noFill/>
-                        </a:ln>
-                        <a:solidFill>
-                          <a:sysClr val="windowText" lastClr="000000"/>
-                        </a:solidFill>
-                        <a:effectLst/>
-                        <a:uLnTx/>
-                        <a:uFillTx/>
-                        <a:latin typeface="Cambria Math" panose="02040503050406030204" pitchFamily="18" charset="0"/>
-                        <a:ea typeface="+mn-ea"/>
-                      </a:rPr>
-                      <m:t>3</m:t>
+                      <m:t>=3</m:t>
                     </m:r>
                   </m:oMath>
                 </a14:m>
@@ -28337,23 +27810,7 @@
                         <a:latin typeface="Cambria Math" panose="02040503050406030204" pitchFamily="18" charset="0"/>
                         <a:ea typeface="+mn-ea"/>
                       </a:rPr>
-                      <m:t>=</m:t>
-                    </m:r>
-                    <m:r>
-                      <a:rPr kumimoji="0" lang="ar-AE" sz="800" b="0" i="0" u="none" strike="noStrike" kern="1200" cap="none" spc="0" normalizeH="0" baseline="0" noProof="0">
-                        <a:ln>
-                          <a:noFill/>
-                        </a:ln>
-                        <a:solidFill>
-                          <a:sysClr val="windowText" lastClr="000000"/>
-                        </a:solidFill>
-                        <a:effectLst/>
-                        <a:uLnTx/>
-                        <a:uFillTx/>
-                        <a:latin typeface="Cambria Math" panose="02040503050406030204" pitchFamily="18" charset="0"/>
-                        <a:ea typeface="+mn-ea"/>
-                      </a:rPr>
-                      <m:t>2</m:t>
+                      <m:t>=2</m:t>
                     </m:r>
                   </m:oMath>
                 </a14:m>
@@ -28604,23 +28061,7 @@
                         <a:latin typeface="Cambria Math" panose="02040503050406030204" pitchFamily="18" charset="0"/>
                         <a:ea typeface="+mn-ea"/>
                       </a:rPr>
-                      <m:t>=−</m:t>
-                    </m:r>
-                    <m:r>
-                      <a:rPr kumimoji="0" lang="ar-AE" sz="800" b="0" i="0" u="none" strike="noStrike" kern="1200" cap="none" spc="0" normalizeH="0" baseline="0" noProof="0">
-                        <a:ln>
-                          <a:noFill/>
-                        </a:ln>
-                        <a:solidFill>
-                          <a:sysClr val="windowText" lastClr="000000"/>
-                        </a:solidFill>
-                        <a:effectLst/>
-                        <a:uLnTx/>
-                        <a:uFillTx/>
-                        <a:latin typeface="Cambria Math" panose="02040503050406030204" pitchFamily="18" charset="0"/>
-                        <a:ea typeface="+mn-ea"/>
-                      </a:rPr>
-                      <m:t>2</m:t>
+                      <m:t>=−2</m:t>
                     </m:r>
                   </m:oMath>
                 </a14:m>
@@ -28855,23 +28296,7 @@
                         <a:latin typeface="Cambria Math" panose="02040503050406030204" pitchFamily="18" charset="0"/>
                         <a:ea typeface="+mn-ea"/>
                       </a:rPr>
-                      <m:t>=−</m:t>
-                    </m:r>
-                    <m:r>
-                      <a:rPr kumimoji="0" lang="ar-AE" sz="800" b="0" i="0" u="none" strike="noStrike" kern="1200" cap="none" spc="0" normalizeH="0" baseline="0" noProof="0">
-                        <a:ln>
-                          <a:noFill/>
-                        </a:ln>
-                        <a:solidFill>
-                          <a:sysClr val="windowText" lastClr="000000"/>
-                        </a:solidFill>
-                        <a:effectLst/>
-                        <a:uLnTx/>
-                        <a:uFillTx/>
-                        <a:latin typeface="Cambria Math" panose="02040503050406030204" pitchFamily="18" charset="0"/>
-                        <a:ea typeface="+mn-ea"/>
-                      </a:rPr>
-                      <m:t>5</m:t>
+                      <m:t>=−5</m:t>
                     </m:r>
                   </m:oMath>
                 </a14:m>
@@ -29106,23 +28531,7 @@
                         <a:latin typeface="Cambria Math" panose="02040503050406030204" pitchFamily="18" charset="0"/>
                         <a:ea typeface="+mn-ea"/>
                       </a:rPr>
-                      <m:t>=</m:t>
-                    </m:r>
-                    <m:r>
-                      <a:rPr kumimoji="0" lang="ar-AE" sz="800" b="0" i="0" u="none" strike="noStrike" kern="1200" cap="none" spc="0" normalizeH="0" baseline="0" noProof="0">
-                        <a:ln>
-                          <a:noFill/>
-                        </a:ln>
-                        <a:solidFill>
-                          <a:sysClr val="windowText" lastClr="000000"/>
-                        </a:solidFill>
-                        <a:effectLst/>
-                        <a:uLnTx/>
-                        <a:uFillTx/>
-                        <a:latin typeface="Cambria Math" panose="02040503050406030204" pitchFamily="18" charset="0"/>
-                        <a:ea typeface="+mn-ea"/>
-                      </a:rPr>
-                      <m:t>4</m:t>
+                      <m:t>=4</m:t>
                     </m:r>
                   </m:oMath>
                 </a14:m>
@@ -30935,7 +30344,7 @@
             </p:nvSpPr>
             <p:spPr>
               <a:xfrm>
-                <a:off x="-46456" y="1806575"/>
+                <a:off x="-46456" y="1917995"/>
                 <a:ext cx="4713706" cy="1564980"/>
               </a:xfrm>
               <a:prstGeom prst="rect">
@@ -32094,7 +31503,7 @@
             </p:nvSpPr>
             <p:spPr>
               <a:xfrm>
-                <a:off x="-46456" y="1806575"/>
+                <a:off x="-46456" y="1917995"/>
                 <a:ext cx="4713706" cy="1564980"/>
               </a:xfrm>
               <a:prstGeom prst="rect">
@@ -32103,7 +31512,7 @@
               <a:blipFill>
                 <a:blip r:embed="rId4"/>
                 <a:stretch>
-                  <a:fillRect l="-129"/>
+                  <a:fillRect l="-1613" t="-806"/>
                 </a:stretch>
               </a:blipFill>
               <a:ln>
@@ -32115,7 +31524,7 @@
               <a:lstStyle/>
               <a:p>
                 <a:r>
-                  <a:rPr lang="zh-CN" altLang="en-US">
+                  <a:rPr lang="en-US">
                     <a:noFill/>
                   </a:rPr>
                   <a:t> </a:t>
@@ -34448,23 +33857,7 @@
                                   <a:latin typeface="Cambria Math" panose="02040503050406030204" pitchFamily="18" charset="0"/>
                                   <a:ea typeface="+mn-ea"/>
                                 </a:rPr>
-                                <m:t>−</m:t>
-                              </m:r>
-                              <m:r>
-                                <a:rPr kumimoji="0" lang="ar-AE" sz="1050" b="0" i="0" u="none" strike="noStrike" kern="1200" cap="none" spc="0" normalizeH="0" baseline="0" noProof="0">
-                                  <a:ln>
-                                    <a:noFill/>
-                                  </a:ln>
-                                  <a:solidFill>
-                                    <a:sysClr val="windowText" lastClr="000000"/>
-                                  </a:solidFill>
-                                  <a:effectLst/>
-                                  <a:uLnTx/>
-                                  <a:uFillTx/>
-                                  <a:latin typeface="Cambria Math" panose="02040503050406030204" pitchFamily="18" charset="0"/>
-                                  <a:ea typeface="+mn-ea"/>
-                                </a:rPr>
-                                <m:t>1</m:t>
+                                <m:t>−1</m:t>
                               </m:r>
                             </m:sup>
                           </m:sSup>
@@ -35214,23 +34607,7 @@
                               <a:latin typeface="Cambria Math" panose="02040503050406030204" pitchFamily="18" charset="0"/>
                               <a:ea typeface="+mn-ea"/>
                             </a:rPr>
-                            <m:t>−</m:t>
-                          </m:r>
-                          <m:r>
-                            <a:rPr kumimoji="0" lang="ar-AE" sz="1050" b="0" i="0" u="none" strike="noStrike" kern="1200" cap="none" spc="0" normalizeH="0" baseline="0" noProof="0">
-                              <a:ln>
-                                <a:noFill/>
-                              </a:ln>
-                              <a:solidFill>
-                                <a:sysClr val="windowText" lastClr="000000"/>
-                              </a:solidFill>
-                              <a:effectLst/>
-                              <a:uLnTx/>
-                              <a:uFillTx/>
-                              <a:latin typeface="Cambria Math" panose="02040503050406030204" pitchFamily="18" charset="0"/>
-                              <a:ea typeface="+mn-ea"/>
-                            </a:rPr>
-                            <m:t>1</m:t>
+                            <m:t>−1</m:t>
                           </m:r>
                         </m:sup>
                       </m:sSup>

--- a/lecture notes/from Modeling to Continuous-time LQ/powerpoint_handouts (work in progress)/07-Relationship Between State-Space Models and Transfer Functions (imcmp-handout-light) - pub.pptx
+++ b/lecture notes/from Modeling to Continuous-time LQ/powerpoint_handouts (work in progress)/07-Relationship Between State-Space Models and Transfer Functions (imcmp-handout-light) - pub.pptx
@@ -660,7 +660,7 @@
           <a:p>
             <a:fld id="{1D8BD707-D9CF-40AE-B4C6-C98DA3205C09}" type="datetimeFigureOut">
               <a:rPr lang="en-US"/>
-              <a:t>9/19/25</a:t>
+              <a:t>10/21/25</a:t>
             </a:fld>
             <a:endParaRPr lang="en-US"/>
           </a:p>
@@ -916,7 +916,7 @@
           <a:p>
             <a:fld id="{1D8BD707-D9CF-40AE-B4C6-C98DA3205C09}" type="datetimeFigureOut">
               <a:rPr lang="en-US"/>
-              <a:t>9/19/25</a:t>
+              <a:t>10/21/25</a:t>
             </a:fld>
             <a:endParaRPr lang="en-US"/>
           </a:p>
@@ -1209,7 +1209,7 @@
           <a:p>
             <a:fld id="{1D8BD707-D9CF-40AE-B4C6-C98DA3205C09}" type="datetimeFigureOut">
               <a:rPr lang="en-US"/>
-              <a:t>9/19/25</a:t>
+              <a:t>10/21/25</a:t>
             </a:fld>
             <a:endParaRPr lang="en-US"/>
           </a:p>
@@ -1444,7 +1444,7 @@
           <a:p>
             <a:fld id="{1D8BD707-D9CF-40AE-B4C6-C98DA3205C09}" type="datetimeFigureOut">
               <a:rPr lang="en-US"/>
-              <a:t>9/19/25</a:t>
+              <a:t>10/21/25</a:t>
             </a:fld>
             <a:endParaRPr lang="en-US"/>
           </a:p>
@@ -1642,7 +1642,7 @@
           <a:p>
             <a:fld id="{1D8BD707-D9CF-40AE-B4C6-C98DA3205C09}" type="datetimeFigureOut">
               <a:rPr lang="en-US"/>
-              <a:t>9/19/25</a:t>
+              <a:t>10/21/25</a:t>
             </a:fld>
             <a:endParaRPr lang="en-US"/>
           </a:p>
@@ -1996,7 +1996,7 @@
           <a:p>
             <a:fld id="{1D8BD707-D9CF-40AE-B4C6-C98DA3205C09}" type="datetimeFigureOut">
               <a:rPr lang="en-US"/>
-              <a:t>9/19/25</a:t>
+              <a:t>10/21/25</a:t>
             </a:fld>
             <a:endParaRPr lang="en-US"/>
           </a:p>
@@ -2510,243 +2510,6 @@
       </p:sp>
       <p:sp>
         <p:nvSpPr>
-          <p:cNvPr id="4" name="object 4"/>
-          <p:cNvSpPr txBox="1">
-            <a:spLocks noGrp="1"/>
-          </p:cNvSpPr>
-          <p:nvPr>
-            <p:ph type="ftr" sz="quarter" idx="5"/>
-          </p:nvPr>
-        </p:nvSpPr>
-        <p:spPr>
-          <a:prstGeom prst="rect">
-            <a:avLst/>
-          </a:prstGeom>
-        </p:spPr>
-        <p:txBody>
-          <a:bodyPr vert="horz" wrap="square" lIns="0" tIns="24130" rIns="0" bIns="0" rtlCol="0">
-            <a:spAutoFit/>
-          </a:bodyPr>
-          <a:lstStyle/>
-          <a:p>
-            <a:pPr marL="12700">
-              <a:lnSpc>
-                <a:spcPct val="100000"/>
-              </a:lnSpc>
-              <a:spcBef>
-                <a:spcPts val="190"/>
-              </a:spcBef>
-            </a:pPr>
-            <a:r>
-              <a:rPr dirty="0"/>
-              <a:t>Mod</a:t>
-            </a:r>
-            <a:r>
-              <a:rPr spc="80" dirty="0"/>
-              <a:t> </a:t>
-            </a:r>
-            <a:r>
-              <a:rPr dirty="0"/>
-              <a:t>Ctrl</a:t>
-            </a:r>
-            <a:r>
-              <a:rPr spc="75" dirty="0"/>
-              <a:t> </a:t>
-            </a:r>
-            <a:r>
-              <a:rPr dirty="0"/>
-              <a:t>Intro</a:t>
-            </a:r>
-            <a:r>
-              <a:rPr spc="320" dirty="0"/>
-              <a:t> </a:t>
-            </a:r>
-            <a:r>
-              <a:rPr dirty="0"/>
-              <a:t>(w</a:t>
-            </a:r>
-            <a:r>
-              <a:rPr spc="75" dirty="0"/>
-              <a:t> </a:t>
-            </a:r>
-            <a:r>
-              <a:rPr dirty="0"/>
-              <a:t>Matlab</a:t>
-            </a:r>
-            <a:r>
-              <a:rPr spc="80" dirty="0"/>
-              <a:t> &amp;</a:t>
-            </a:r>
-            <a:r>
-              <a:rPr spc="75" dirty="0"/>
-              <a:t> </a:t>
-            </a:r>
-            <a:r>
-              <a:rPr spc="-10" dirty="0"/>
-              <a:t>Python)</a:t>
-            </a:r>
-          </a:p>
-        </p:txBody>
-      </p:sp>
-      <p:sp>
-        <p:nvSpPr>
-          <p:cNvPr id="5" name="object 5"/>
-          <p:cNvSpPr txBox="1"/>
-          <p:nvPr/>
-        </p:nvSpPr>
-        <p:spPr>
-          <a:xfrm>
-            <a:off x="1614398" y="3322038"/>
-            <a:ext cx="1379220" cy="137160"/>
-          </a:xfrm>
-          <a:prstGeom prst="rect">
-            <a:avLst/>
-          </a:prstGeom>
-        </p:spPr>
-        <p:txBody>
-          <a:bodyPr vert="horz" wrap="square" lIns="0" tIns="24130" rIns="0" bIns="0" rtlCol="0">
-            <a:spAutoFit/>
-          </a:bodyPr>
-          <a:lstStyle/>
-          <a:p>
-            <a:pPr marL="12700">
-              <a:lnSpc>
-                <a:spcPct val="100000"/>
-              </a:lnSpc>
-              <a:spcBef>
-                <a:spcPts val="190"/>
-              </a:spcBef>
-            </a:pPr>
-            <a:r>
-              <a:rPr sz="600" dirty="0">
-                <a:solidFill>
-                  <a:srgbClr val="FF84BD"/>
-                </a:solidFill>
-                <a:latin typeface="Arial"/>
-                <a:cs typeface="Arial"/>
-                <a:hlinkClick r:id="rId2" action="ppaction://hlinksldjump"/>
-              </a:rPr>
-              <a:t>From</a:t>
-            </a:r>
-            <a:r>
-              <a:rPr sz="600" spc="35" dirty="0">
-                <a:solidFill>
-                  <a:srgbClr val="FF84BD"/>
-                </a:solidFill>
-                <a:latin typeface="Arial"/>
-                <a:cs typeface="Arial"/>
-                <a:hlinkClick r:id="rId2" action="ppaction://hlinksldjump"/>
-              </a:rPr>
-              <a:t> </a:t>
-            </a:r>
-            <a:r>
-              <a:rPr sz="600" dirty="0">
-                <a:solidFill>
-                  <a:srgbClr val="FF84BD"/>
-                </a:solidFill>
-                <a:latin typeface="Arial"/>
-                <a:cs typeface="Arial"/>
-                <a:hlinkClick r:id="rId2" action="ppaction://hlinksldjump"/>
-              </a:rPr>
-              <a:t>State</a:t>
-            </a:r>
-            <a:r>
-              <a:rPr sz="600" spc="40" dirty="0">
-                <a:solidFill>
-                  <a:srgbClr val="FF84BD"/>
-                </a:solidFill>
-                <a:latin typeface="Arial"/>
-                <a:cs typeface="Arial"/>
-                <a:hlinkClick r:id="rId2" action="ppaction://hlinksldjump"/>
-              </a:rPr>
-              <a:t> </a:t>
-            </a:r>
-            <a:r>
-              <a:rPr sz="600" spc="-30" dirty="0">
-                <a:solidFill>
-                  <a:srgbClr val="FF84BD"/>
-                </a:solidFill>
-                <a:latin typeface="Arial"/>
-                <a:cs typeface="Arial"/>
-                <a:hlinkClick r:id="rId2" action="ppaction://hlinksldjump"/>
-              </a:rPr>
-              <a:t>Space</a:t>
-            </a:r>
-            <a:r>
-              <a:rPr sz="600" spc="35" dirty="0">
-                <a:solidFill>
-                  <a:srgbClr val="FF84BD"/>
-                </a:solidFill>
-                <a:latin typeface="Arial"/>
-                <a:cs typeface="Arial"/>
-                <a:hlinkClick r:id="rId2" action="ppaction://hlinksldjump"/>
-              </a:rPr>
-              <a:t> </a:t>
-            </a:r>
-            <a:r>
-              <a:rPr sz="600" dirty="0">
-                <a:solidFill>
-                  <a:srgbClr val="FF84BD"/>
-                </a:solidFill>
-                <a:latin typeface="Arial"/>
-                <a:cs typeface="Arial"/>
-                <a:hlinkClick r:id="rId2" action="ppaction://hlinksldjump"/>
-              </a:rPr>
-              <a:t>to</a:t>
-            </a:r>
-            <a:r>
-              <a:rPr sz="600" spc="40" dirty="0">
-                <a:solidFill>
-                  <a:srgbClr val="FF84BD"/>
-                </a:solidFill>
-                <a:latin typeface="Arial"/>
-                <a:cs typeface="Arial"/>
-                <a:hlinkClick r:id="rId2" action="ppaction://hlinksldjump"/>
-              </a:rPr>
-              <a:t> </a:t>
-            </a:r>
-            <a:r>
-              <a:rPr sz="600" spc="-10" dirty="0">
-                <a:solidFill>
-                  <a:srgbClr val="FF84BD"/>
-                </a:solidFill>
-                <a:latin typeface="Arial"/>
-                <a:cs typeface="Arial"/>
-                <a:hlinkClick r:id="rId2" action="ppaction://hlinksldjump"/>
-              </a:rPr>
-              <a:t>Transfer</a:t>
-            </a:r>
-            <a:r>
-              <a:rPr sz="600" spc="35" dirty="0">
-                <a:solidFill>
-                  <a:srgbClr val="FF84BD"/>
-                </a:solidFill>
-                <a:latin typeface="Arial"/>
-                <a:cs typeface="Arial"/>
-                <a:hlinkClick r:id="rId2" action="ppaction://hlinksldjump"/>
-              </a:rPr>
-              <a:t> </a:t>
-            </a:r>
-            <a:r>
-              <a:rPr sz="600" spc="-10" dirty="0">
-                <a:solidFill>
-                  <a:srgbClr val="FF84BD"/>
-                </a:solidFill>
-                <a:latin typeface="Arial"/>
-                <a:cs typeface="Arial"/>
-                <a:hlinkClick r:id="rId2" action="ppaction://hlinksldjump"/>
-              </a:rPr>
-              <a:t>Functions</a:t>
-            </a:r>
-            <a:endParaRPr sz="600">
-              <a:latin typeface="Arial"/>
-              <a:cs typeface="Arial"/>
-            </a:endParaRPr>
-          </a:p>
-        </p:txBody>
-      </p:sp>
-      <p:sp>
-        <p:nvSpPr>
           <p:cNvPr id="6" name="object 6"/>
           <p:cNvSpPr txBox="1">
             <a:spLocks noGrp="1"/>
@@ -2794,6 +2557,113 @@
               <a:rPr spc="-25" dirty="0"/>
               <a:t>14</a:t>
             </a:r>
+          </a:p>
+        </p:txBody>
+      </p:sp>
+      <p:sp>
+        <p:nvSpPr>
+          <p:cNvPr id="4" name="object 4">
+            <a:extLst>
+              <a:ext uri="{FF2B5EF4-FFF2-40B4-BE49-F238E27FC236}">
+                <a16:creationId xmlns:a16="http://schemas.microsoft.com/office/drawing/2014/main" id="{EB74183F-87FA-AB86-C8D9-42342F16B0F0}"/>
+              </a:ext>
+            </a:extLst>
+          </p:cNvPr>
+          <p:cNvSpPr txBox="1">
+            <a:spLocks noGrp="1"/>
+          </p:cNvSpPr>
+          <p:nvPr>
+            <p:ph type="ftr" sz="quarter" idx="5"/>
+          </p:nvPr>
+        </p:nvSpPr>
+        <p:spPr>
+          <a:xfrm>
+            <a:off x="-61405" y="3322038"/>
+            <a:ext cx="2152650" cy="116699"/>
+          </a:xfrm>
+          <a:prstGeom prst="rect">
+            <a:avLst/>
+          </a:prstGeom>
+        </p:spPr>
+        <p:txBody>
+          <a:bodyPr vert="horz" wrap="square" lIns="0" tIns="24130" rIns="0" bIns="0" rtlCol="0">
+            <a:spAutoFit/>
+          </a:bodyPr>
+          <a:lstStyle/>
+          <a:p>
+            <a:pPr marL="12700" algn="ctr">
+              <a:lnSpc>
+                <a:spcPct val="100000"/>
+              </a:lnSpc>
+              <a:spcBef>
+                <a:spcPts val="190"/>
+              </a:spcBef>
+            </a:pPr>
+            <a:r>
+              <a:rPr dirty="0"/>
+              <a:t>Mod</a:t>
+            </a:r>
+            <a:r>
+              <a:rPr spc="80" dirty="0"/>
+              <a:t> </a:t>
+            </a:r>
+            <a:r>
+              <a:rPr dirty="0"/>
+              <a:t>Ctrl</a:t>
+            </a:r>
+            <a:r>
+              <a:rPr spc="75" dirty="0"/>
+              <a:t> </a:t>
+            </a:r>
+            <a:r>
+              <a:rPr dirty="0"/>
+              <a:t>Intr</a:t>
+            </a:r>
+            <a:r>
+              <a:rPr lang="en-US" dirty="0"/>
+              <a:t>o</a:t>
+            </a:r>
+            <a:r>
+              <a:rPr lang="en-US" spc="320" dirty="0"/>
+              <a:t> </a:t>
+            </a:r>
+            <a:r>
+              <a:rPr lang="en-US" dirty="0"/>
+              <a:t>(</a:t>
+            </a:r>
+            <a:r>
+              <a:rPr dirty="0"/>
+              <a:t>w</a:t>
+            </a:r>
+            <a:r>
+              <a:rPr spc="75" dirty="0"/>
+              <a:t> </a:t>
+            </a:r>
+            <a:r>
+              <a:rPr dirty="0"/>
+              <a:t>Matlab</a:t>
+            </a:r>
+            <a:r>
+              <a:rPr spc="80" dirty="0"/>
+              <a:t> &amp;</a:t>
+            </a:r>
+            <a:r>
+              <a:rPr spc="75" dirty="0"/>
+              <a:t> </a:t>
+            </a:r>
+            <a:r>
+              <a:rPr spc="-10" dirty="0"/>
+              <a:t>Python)</a:t>
+            </a:r>
+            <a:r>
+              <a:rPr lang="en-US" spc="-10" dirty="0"/>
+              <a:t>, Chen &amp; </a:t>
+            </a:r>
+            <a:r>
+              <a:rPr lang="en-US" spc="-10" dirty="0" err="1"/>
+              <a:t>Tomizuka</a:t>
+            </a:r>
+            <a:endParaRPr spc="-10" dirty="0"/>
           </a:p>
         </p:txBody>
       </p:sp>
@@ -30326,8 +30196,8 @@
           </a:p>
         </p:txBody>
       </p:sp>
-      <mc:AlternateContent xmlns:mc="http://schemas.openxmlformats.org/markup-compatibility/2006">
-        <mc:Choice xmlns:a14="http://schemas.microsoft.com/office/drawing/2010/main" Requires="a14">
+      <mc:AlternateContent xmlns:mc="http://schemas.openxmlformats.org/markup-compatibility/2006" xmlns:a14="http://schemas.microsoft.com/office/drawing/2010/main">
+        <mc:Choice Requires="a14">
           <p:sp>
             <p:nvSpPr>
               <p:cNvPr id="38" name="Content Placeholder 2">
@@ -31486,7 +31356,7 @@
             </p:txBody>
           </p:sp>
         </mc:Choice>
-        <mc:Fallback>
+        <mc:Fallback xmlns="">
           <p:sp>
             <p:nvSpPr>
               <p:cNvPr id="38" name="Content Placeholder 2">
